--- a/docs/diagrams/LogicComponentClassDiagram.pptx
+++ b/docs/diagrams/LogicComponentClassDiagram.pptx
@@ -208,7 +208,7 @@
           <a:p>
             <a:fld id="{F5CC4B3F-88C1-4FFA-B1B6-F41C21DC6924}" type="datetimeFigureOut">
               <a:rPr lang="en-US" smtClean="0"/>
-              <a:t>2/2/2017</a:t>
+              <a:t>4/10/2017</a:t>
             </a:fld>
             <a:endParaRPr lang="en-US"/>
           </a:p>
@@ -272,38 +272,37 @@
           <a:p>
             <a:pPr lvl="0"/>
             <a:r>
-              <a:rPr lang="en-US" smtClean="0"/>
+              <a:rPr lang="en-US"/>
               <a:t>Click to edit Master text styles</a:t>
             </a:r>
           </a:p>
           <a:p>
             <a:pPr lvl="1"/>
             <a:r>
-              <a:rPr lang="en-US" smtClean="0"/>
+              <a:rPr lang="en-US"/>
               <a:t>Second level</a:t>
             </a:r>
           </a:p>
           <a:p>
             <a:pPr lvl="2"/>
             <a:r>
-              <a:rPr lang="en-US" smtClean="0"/>
+              <a:rPr lang="en-US"/>
               <a:t>Third level</a:t>
             </a:r>
           </a:p>
           <a:p>
             <a:pPr lvl="3"/>
             <a:r>
-              <a:rPr lang="en-US" smtClean="0"/>
+              <a:rPr lang="en-US"/>
               <a:t>Fourth level</a:t>
             </a:r>
           </a:p>
           <a:p>
             <a:pPr lvl="4"/>
             <a:r>
-              <a:rPr lang="en-US" smtClean="0"/>
+              <a:rPr lang="en-US"/>
               <a:t>Fifth level</a:t>
             </a:r>
-            <a:endParaRPr lang="en-US"/>
           </a:p>
         </p:txBody>
       </p:sp>
@@ -514,10 +513,9 @@
           <a:lstStyle/>
           <a:p>
             <a:r>
-              <a:rPr lang="en-US" smtClean="0"/>
+              <a:rPr lang="en-US"/>
               <a:t>Click to edit Master title style</a:t>
             </a:r>
-            <a:endParaRPr lang="en-US"/>
           </a:p>
         </p:txBody>
       </p:sp>
@@ -633,10 +631,9 @@
           </a:lstStyle>
           <a:p>
             <a:r>
-              <a:rPr lang="en-US" smtClean="0"/>
+              <a:rPr lang="en-US"/>
               <a:t>Click to edit Master subtitle style</a:t>
             </a:r>
-            <a:endParaRPr lang="en-US"/>
           </a:p>
         </p:txBody>
       </p:sp>
@@ -657,7 +654,7 @@
           <a:p>
             <a:fld id="{78C97017-6FC3-485B-9764-EAC9E56C1D49}" type="datetimeFigureOut">
               <a:rPr lang="en-US" smtClean="0"/>
-              <a:t>2/2/2017</a:t>
+              <a:t>4/10/2017</a:t>
             </a:fld>
             <a:endParaRPr lang="en-US"/>
           </a:p>
@@ -751,10 +748,9 @@
           <a:lstStyle/>
           <a:p>
             <a:r>
-              <a:rPr lang="en-US" smtClean="0"/>
+              <a:rPr lang="en-US"/>
               <a:t>Click to edit Master title style</a:t>
             </a:r>
-            <a:endParaRPr lang="en-US"/>
           </a:p>
         </p:txBody>
       </p:sp>
@@ -775,38 +771,37 @@
           <a:p>
             <a:pPr lvl="0"/>
             <a:r>
-              <a:rPr lang="en-US" smtClean="0"/>
+              <a:rPr lang="en-US"/>
               <a:t>Click to edit Master text styles</a:t>
             </a:r>
           </a:p>
           <a:p>
             <a:pPr lvl="1"/>
             <a:r>
-              <a:rPr lang="en-US" smtClean="0"/>
+              <a:rPr lang="en-US"/>
               <a:t>Second level</a:t>
             </a:r>
           </a:p>
           <a:p>
             <a:pPr lvl="2"/>
             <a:r>
-              <a:rPr lang="en-US" smtClean="0"/>
+              <a:rPr lang="en-US"/>
               <a:t>Third level</a:t>
             </a:r>
           </a:p>
           <a:p>
             <a:pPr lvl="3"/>
             <a:r>
-              <a:rPr lang="en-US" smtClean="0"/>
+              <a:rPr lang="en-US"/>
               <a:t>Fourth level</a:t>
             </a:r>
           </a:p>
           <a:p>
             <a:pPr lvl="4"/>
             <a:r>
-              <a:rPr lang="en-US" smtClean="0"/>
+              <a:rPr lang="en-US"/>
               <a:t>Fifth level</a:t>
             </a:r>
-            <a:endParaRPr lang="en-US"/>
           </a:p>
         </p:txBody>
       </p:sp>
@@ -827,7 +822,7 @@
           <a:p>
             <a:fld id="{78C97017-6FC3-485B-9764-EAC9E56C1D49}" type="datetimeFigureOut">
               <a:rPr lang="en-US" smtClean="0"/>
-              <a:t>2/2/2017</a:t>
+              <a:t>4/10/2017</a:t>
             </a:fld>
             <a:endParaRPr lang="en-US"/>
           </a:p>
@@ -926,10 +921,9 @@
           <a:lstStyle/>
           <a:p>
             <a:r>
-              <a:rPr lang="en-US" smtClean="0"/>
+              <a:rPr lang="en-US"/>
               <a:t>Click to edit Master title style</a:t>
             </a:r>
-            <a:endParaRPr lang="en-US"/>
           </a:p>
         </p:txBody>
       </p:sp>
@@ -955,38 +949,37 @@
           <a:p>
             <a:pPr lvl="0"/>
             <a:r>
-              <a:rPr lang="en-US" smtClean="0"/>
+              <a:rPr lang="en-US"/>
               <a:t>Click to edit Master text styles</a:t>
             </a:r>
           </a:p>
           <a:p>
             <a:pPr lvl="1"/>
             <a:r>
-              <a:rPr lang="en-US" smtClean="0"/>
+              <a:rPr lang="en-US"/>
               <a:t>Second level</a:t>
             </a:r>
           </a:p>
           <a:p>
             <a:pPr lvl="2"/>
             <a:r>
-              <a:rPr lang="en-US" smtClean="0"/>
+              <a:rPr lang="en-US"/>
               <a:t>Third level</a:t>
             </a:r>
           </a:p>
           <a:p>
             <a:pPr lvl="3"/>
             <a:r>
-              <a:rPr lang="en-US" smtClean="0"/>
+              <a:rPr lang="en-US"/>
               <a:t>Fourth level</a:t>
             </a:r>
           </a:p>
           <a:p>
             <a:pPr lvl="4"/>
             <a:r>
-              <a:rPr lang="en-US" smtClean="0"/>
+              <a:rPr lang="en-US"/>
               <a:t>Fifth level</a:t>
             </a:r>
-            <a:endParaRPr lang="en-US"/>
           </a:p>
         </p:txBody>
       </p:sp>
@@ -1007,7 +1000,7 @@
           <a:p>
             <a:fld id="{78C97017-6FC3-485B-9764-EAC9E56C1D49}" type="datetimeFigureOut">
               <a:rPr lang="en-US" smtClean="0"/>
-              <a:t>2/2/2017</a:t>
+              <a:t>4/10/2017</a:t>
             </a:fld>
             <a:endParaRPr lang="en-US"/>
           </a:p>
@@ -1101,10 +1094,9 @@
           <a:lstStyle/>
           <a:p>
             <a:r>
-              <a:rPr lang="en-US" smtClean="0"/>
+              <a:rPr lang="en-US"/>
               <a:t>Click to edit Master title style</a:t>
             </a:r>
-            <a:endParaRPr lang="en-US"/>
           </a:p>
         </p:txBody>
       </p:sp>
@@ -1125,38 +1117,37 @@
           <a:p>
             <a:pPr lvl="0"/>
             <a:r>
-              <a:rPr lang="en-US" smtClean="0"/>
+              <a:rPr lang="en-US"/>
               <a:t>Click to edit Master text styles</a:t>
             </a:r>
           </a:p>
           <a:p>
             <a:pPr lvl="1"/>
             <a:r>
-              <a:rPr lang="en-US" smtClean="0"/>
+              <a:rPr lang="en-US"/>
               <a:t>Second level</a:t>
             </a:r>
           </a:p>
           <a:p>
             <a:pPr lvl="2"/>
             <a:r>
-              <a:rPr lang="en-US" smtClean="0"/>
+              <a:rPr lang="en-US"/>
               <a:t>Third level</a:t>
             </a:r>
           </a:p>
           <a:p>
             <a:pPr lvl="3"/>
             <a:r>
-              <a:rPr lang="en-US" smtClean="0"/>
+              <a:rPr lang="en-US"/>
               <a:t>Fourth level</a:t>
             </a:r>
           </a:p>
           <a:p>
             <a:pPr lvl="4"/>
             <a:r>
-              <a:rPr lang="en-US" smtClean="0"/>
+              <a:rPr lang="en-US"/>
               <a:t>Fifth level</a:t>
             </a:r>
-            <a:endParaRPr lang="en-US"/>
           </a:p>
         </p:txBody>
       </p:sp>
@@ -1177,7 +1168,7 @@
           <a:p>
             <a:fld id="{78C97017-6FC3-485B-9764-EAC9E56C1D49}" type="datetimeFigureOut">
               <a:rPr lang="en-US" smtClean="0"/>
-              <a:t>2/2/2017</a:t>
+              <a:t>4/10/2017</a:t>
             </a:fld>
             <a:endParaRPr lang="en-US"/>
           </a:p>
@@ -1280,10 +1271,9 @@
           </a:lstStyle>
           <a:p>
             <a:r>
-              <a:rPr lang="en-US" smtClean="0"/>
+              <a:rPr lang="en-US"/>
               <a:t>Click to edit Master title style</a:t>
             </a:r>
-            <a:endParaRPr lang="en-US"/>
           </a:p>
         </p:txBody>
       </p:sp>
@@ -1400,7 +1390,7 @@
           <a:p>
             <a:pPr lvl="0"/>
             <a:r>
-              <a:rPr lang="en-US" smtClean="0"/>
+              <a:rPr lang="en-US"/>
               <a:t>Click to edit Master text styles</a:t>
             </a:r>
           </a:p>
@@ -1423,7 +1413,7 @@
           <a:p>
             <a:fld id="{78C97017-6FC3-485B-9764-EAC9E56C1D49}" type="datetimeFigureOut">
               <a:rPr lang="en-US" smtClean="0"/>
-              <a:t>2/2/2017</a:t>
+              <a:t>4/10/2017</a:t>
             </a:fld>
             <a:endParaRPr lang="en-US"/>
           </a:p>
@@ -1517,10 +1507,9 @@
           <a:lstStyle/>
           <a:p>
             <a:r>
-              <a:rPr lang="en-US" smtClean="0"/>
+              <a:rPr lang="en-US"/>
               <a:t>Click to edit Master title style</a:t>
             </a:r>
-            <a:endParaRPr lang="en-US"/>
           </a:p>
         </p:txBody>
       </p:sp>
@@ -1574,38 +1563,37 @@
           <a:p>
             <a:pPr lvl="0"/>
             <a:r>
-              <a:rPr lang="en-US" smtClean="0"/>
+              <a:rPr lang="en-US"/>
               <a:t>Click to edit Master text styles</a:t>
             </a:r>
           </a:p>
           <a:p>
             <a:pPr lvl="1"/>
             <a:r>
-              <a:rPr lang="en-US" smtClean="0"/>
+              <a:rPr lang="en-US"/>
               <a:t>Second level</a:t>
             </a:r>
           </a:p>
           <a:p>
             <a:pPr lvl="2"/>
             <a:r>
-              <a:rPr lang="en-US" smtClean="0"/>
+              <a:rPr lang="en-US"/>
               <a:t>Third level</a:t>
             </a:r>
           </a:p>
           <a:p>
             <a:pPr lvl="3"/>
             <a:r>
-              <a:rPr lang="en-US" smtClean="0"/>
+              <a:rPr lang="en-US"/>
               <a:t>Fourth level</a:t>
             </a:r>
           </a:p>
           <a:p>
             <a:pPr lvl="4"/>
             <a:r>
-              <a:rPr lang="en-US" smtClean="0"/>
+              <a:rPr lang="en-US"/>
               <a:t>Fifth level</a:t>
             </a:r>
-            <a:endParaRPr lang="en-US"/>
           </a:p>
         </p:txBody>
       </p:sp>
@@ -1659,38 +1647,37 @@
           <a:p>
             <a:pPr lvl="0"/>
             <a:r>
-              <a:rPr lang="en-US" smtClean="0"/>
+              <a:rPr lang="en-US"/>
               <a:t>Click to edit Master text styles</a:t>
             </a:r>
           </a:p>
           <a:p>
             <a:pPr lvl="1"/>
             <a:r>
-              <a:rPr lang="en-US" smtClean="0"/>
+              <a:rPr lang="en-US"/>
               <a:t>Second level</a:t>
             </a:r>
           </a:p>
           <a:p>
             <a:pPr lvl="2"/>
             <a:r>
-              <a:rPr lang="en-US" smtClean="0"/>
+              <a:rPr lang="en-US"/>
               <a:t>Third level</a:t>
             </a:r>
           </a:p>
           <a:p>
             <a:pPr lvl="3"/>
             <a:r>
-              <a:rPr lang="en-US" smtClean="0"/>
+              <a:rPr lang="en-US"/>
               <a:t>Fourth level</a:t>
             </a:r>
           </a:p>
           <a:p>
             <a:pPr lvl="4"/>
             <a:r>
-              <a:rPr lang="en-US" smtClean="0"/>
+              <a:rPr lang="en-US"/>
               <a:t>Fifth level</a:t>
             </a:r>
-            <a:endParaRPr lang="en-US"/>
           </a:p>
         </p:txBody>
       </p:sp>
@@ -1711,7 +1698,7 @@
           <a:p>
             <a:fld id="{78C97017-6FC3-485B-9764-EAC9E56C1D49}" type="datetimeFigureOut">
               <a:rPr lang="en-US" smtClean="0"/>
-              <a:t>2/2/2017</a:t>
+              <a:t>4/10/2017</a:t>
             </a:fld>
             <a:endParaRPr lang="en-US"/>
           </a:p>
@@ -1809,10 +1796,9 @@
           </a:lstStyle>
           <a:p>
             <a:r>
-              <a:rPr lang="en-US" smtClean="0"/>
+              <a:rPr lang="en-US"/>
               <a:t>Click to edit Master title style</a:t>
             </a:r>
-            <a:endParaRPr lang="en-US"/>
           </a:p>
         </p:txBody>
       </p:sp>
@@ -1875,7 +1861,7 @@
           <a:p>
             <a:pPr lvl="0"/>
             <a:r>
-              <a:rPr lang="en-US" smtClean="0"/>
+              <a:rPr lang="en-US"/>
               <a:t>Click to edit Master text styles</a:t>
             </a:r>
           </a:p>
@@ -1931,38 +1917,37 @@
           <a:p>
             <a:pPr lvl="0"/>
             <a:r>
-              <a:rPr lang="en-US" smtClean="0"/>
+              <a:rPr lang="en-US"/>
               <a:t>Click to edit Master text styles</a:t>
             </a:r>
           </a:p>
           <a:p>
             <a:pPr lvl="1"/>
             <a:r>
-              <a:rPr lang="en-US" smtClean="0"/>
+              <a:rPr lang="en-US"/>
               <a:t>Second level</a:t>
             </a:r>
           </a:p>
           <a:p>
             <a:pPr lvl="2"/>
             <a:r>
-              <a:rPr lang="en-US" smtClean="0"/>
+              <a:rPr lang="en-US"/>
               <a:t>Third level</a:t>
             </a:r>
           </a:p>
           <a:p>
             <a:pPr lvl="3"/>
             <a:r>
-              <a:rPr lang="en-US" smtClean="0"/>
+              <a:rPr lang="en-US"/>
               <a:t>Fourth level</a:t>
             </a:r>
           </a:p>
           <a:p>
             <a:pPr lvl="4"/>
             <a:r>
-              <a:rPr lang="en-US" smtClean="0"/>
+              <a:rPr lang="en-US"/>
               <a:t>Fifth level</a:t>
             </a:r>
-            <a:endParaRPr lang="en-US"/>
           </a:p>
         </p:txBody>
       </p:sp>
@@ -2025,7 +2010,7 @@
           <a:p>
             <a:pPr lvl="0"/>
             <a:r>
-              <a:rPr lang="en-US" smtClean="0"/>
+              <a:rPr lang="en-US"/>
               <a:t>Click to edit Master text styles</a:t>
             </a:r>
           </a:p>
@@ -2081,38 +2066,37 @@
           <a:p>
             <a:pPr lvl="0"/>
             <a:r>
-              <a:rPr lang="en-US" smtClean="0"/>
+              <a:rPr lang="en-US"/>
               <a:t>Click to edit Master text styles</a:t>
             </a:r>
           </a:p>
           <a:p>
             <a:pPr lvl="1"/>
             <a:r>
-              <a:rPr lang="en-US" smtClean="0"/>
+              <a:rPr lang="en-US"/>
               <a:t>Second level</a:t>
             </a:r>
           </a:p>
           <a:p>
             <a:pPr lvl="2"/>
             <a:r>
-              <a:rPr lang="en-US" smtClean="0"/>
+              <a:rPr lang="en-US"/>
               <a:t>Third level</a:t>
             </a:r>
           </a:p>
           <a:p>
             <a:pPr lvl="3"/>
             <a:r>
-              <a:rPr lang="en-US" smtClean="0"/>
+              <a:rPr lang="en-US"/>
               <a:t>Fourth level</a:t>
             </a:r>
           </a:p>
           <a:p>
             <a:pPr lvl="4"/>
             <a:r>
-              <a:rPr lang="en-US" smtClean="0"/>
+              <a:rPr lang="en-US"/>
               <a:t>Fifth level</a:t>
             </a:r>
-            <a:endParaRPr lang="en-US"/>
           </a:p>
         </p:txBody>
       </p:sp>
@@ -2133,7 +2117,7 @@
           <a:p>
             <a:fld id="{78C97017-6FC3-485B-9764-EAC9E56C1D49}" type="datetimeFigureOut">
               <a:rPr lang="en-US" smtClean="0"/>
-              <a:t>2/2/2017</a:t>
+              <a:t>4/10/2017</a:t>
             </a:fld>
             <a:endParaRPr lang="en-US"/>
           </a:p>
@@ -2227,10 +2211,9 @@
           <a:lstStyle/>
           <a:p>
             <a:r>
-              <a:rPr lang="en-US" smtClean="0"/>
+              <a:rPr lang="en-US"/>
               <a:t>Click to edit Master title style</a:t>
             </a:r>
-            <a:endParaRPr lang="en-US"/>
           </a:p>
         </p:txBody>
       </p:sp>
@@ -2251,7 +2234,7 @@
           <a:p>
             <a:fld id="{78C97017-6FC3-485B-9764-EAC9E56C1D49}" type="datetimeFigureOut">
               <a:rPr lang="en-US" smtClean="0"/>
-              <a:t>2/2/2017</a:t>
+              <a:t>4/10/2017</a:t>
             </a:fld>
             <a:endParaRPr lang="en-US"/>
           </a:p>
@@ -2346,7 +2329,7 @@
           <a:p>
             <a:fld id="{78C97017-6FC3-485B-9764-EAC9E56C1D49}" type="datetimeFigureOut">
               <a:rPr lang="en-US" smtClean="0"/>
-              <a:t>2/2/2017</a:t>
+              <a:t>4/10/2017</a:t>
             </a:fld>
             <a:endParaRPr lang="en-US"/>
           </a:p>
@@ -2449,10 +2432,9 @@
           </a:lstStyle>
           <a:p>
             <a:r>
-              <a:rPr lang="en-US" smtClean="0"/>
+              <a:rPr lang="en-US"/>
               <a:t>Click to edit Master title style</a:t>
             </a:r>
-            <a:endParaRPr lang="en-US"/>
           </a:p>
         </p:txBody>
       </p:sp>
@@ -2506,38 +2488,37 @@
           <a:p>
             <a:pPr lvl="0"/>
             <a:r>
-              <a:rPr lang="en-US" smtClean="0"/>
+              <a:rPr lang="en-US"/>
               <a:t>Click to edit Master text styles</a:t>
             </a:r>
           </a:p>
           <a:p>
             <a:pPr lvl="1"/>
             <a:r>
-              <a:rPr lang="en-US" smtClean="0"/>
+              <a:rPr lang="en-US"/>
               <a:t>Second level</a:t>
             </a:r>
           </a:p>
           <a:p>
             <a:pPr lvl="2"/>
             <a:r>
-              <a:rPr lang="en-US" smtClean="0"/>
+              <a:rPr lang="en-US"/>
               <a:t>Third level</a:t>
             </a:r>
           </a:p>
           <a:p>
             <a:pPr lvl="3"/>
             <a:r>
-              <a:rPr lang="en-US" smtClean="0"/>
+              <a:rPr lang="en-US"/>
               <a:t>Fourth level</a:t>
             </a:r>
           </a:p>
           <a:p>
             <a:pPr lvl="4"/>
             <a:r>
-              <a:rPr lang="en-US" smtClean="0"/>
+              <a:rPr lang="en-US"/>
               <a:t>Fifth level</a:t>
             </a:r>
-            <a:endParaRPr lang="en-US"/>
           </a:p>
         </p:txBody>
       </p:sp>
@@ -2600,7 +2581,7 @@
           <a:p>
             <a:pPr lvl="0"/>
             <a:r>
-              <a:rPr lang="en-US" smtClean="0"/>
+              <a:rPr lang="en-US"/>
               <a:t>Click to edit Master text styles</a:t>
             </a:r>
           </a:p>
@@ -2623,7 +2604,7 @@
           <a:p>
             <a:fld id="{78C97017-6FC3-485B-9764-EAC9E56C1D49}" type="datetimeFigureOut">
               <a:rPr lang="en-US" smtClean="0"/>
-              <a:t>2/2/2017</a:t>
+              <a:t>4/10/2017</a:t>
             </a:fld>
             <a:endParaRPr lang="en-US"/>
           </a:p>
@@ -2726,10 +2707,9 @@
           </a:lstStyle>
           <a:p>
             <a:r>
-              <a:rPr lang="en-US" smtClean="0"/>
+              <a:rPr lang="en-US"/>
               <a:t>Click to edit Master title style</a:t>
             </a:r>
-            <a:endParaRPr lang="en-US"/>
           </a:p>
         </p:txBody>
       </p:sp>
@@ -2853,7 +2833,7 @@
           <a:p>
             <a:pPr lvl="0"/>
             <a:r>
-              <a:rPr lang="en-US" smtClean="0"/>
+              <a:rPr lang="en-US"/>
               <a:t>Click to edit Master text styles</a:t>
             </a:r>
           </a:p>
@@ -2876,7 +2856,7 @@
           <a:p>
             <a:fld id="{78C97017-6FC3-485B-9764-EAC9E56C1D49}" type="datetimeFigureOut">
               <a:rPr lang="en-US" smtClean="0"/>
-              <a:t>2/2/2017</a:t>
+              <a:t>4/10/2017</a:t>
             </a:fld>
             <a:endParaRPr lang="en-US"/>
           </a:p>
@@ -2985,10 +2965,9 @@
           <a:lstStyle/>
           <a:p>
             <a:r>
-              <a:rPr lang="en-US" smtClean="0"/>
+              <a:rPr lang="en-US"/>
               <a:t>Click to edit Master title style</a:t>
             </a:r>
-            <a:endParaRPr lang="en-US"/>
           </a:p>
         </p:txBody>
       </p:sp>
@@ -3019,38 +2998,37 @@
           <a:p>
             <a:pPr lvl="0"/>
             <a:r>
-              <a:rPr lang="en-US" smtClean="0"/>
+              <a:rPr lang="en-US"/>
               <a:t>Click to edit Master text styles</a:t>
             </a:r>
           </a:p>
           <a:p>
             <a:pPr lvl="1"/>
             <a:r>
-              <a:rPr lang="en-US" smtClean="0"/>
+              <a:rPr lang="en-US"/>
               <a:t>Second level</a:t>
             </a:r>
           </a:p>
           <a:p>
             <a:pPr lvl="2"/>
             <a:r>
-              <a:rPr lang="en-US" smtClean="0"/>
+              <a:rPr lang="en-US"/>
               <a:t>Third level</a:t>
             </a:r>
           </a:p>
           <a:p>
             <a:pPr lvl="3"/>
             <a:r>
-              <a:rPr lang="en-US" smtClean="0"/>
+              <a:rPr lang="en-US"/>
               <a:t>Fourth level</a:t>
             </a:r>
           </a:p>
           <a:p>
             <a:pPr lvl="4"/>
             <a:r>
-              <a:rPr lang="en-US" smtClean="0"/>
+              <a:rPr lang="en-US"/>
               <a:t>Fifth level</a:t>
             </a:r>
-            <a:endParaRPr lang="en-US"/>
           </a:p>
         </p:txBody>
       </p:sp>
@@ -3089,7 +3067,7 @@
           <a:p>
             <a:fld id="{78C97017-6FC3-485B-9764-EAC9E56C1D49}" type="datetimeFigureOut">
               <a:rPr lang="en-US" smtClean="0"/>
-              <a:t>2/2/2017</a:t>
+              <a:t>4/10/2017</a:t>
             </a:fld>
             <a:endParaRPr lang="en-US"/>
           </a:p>
@@ -3472,8 +3450,8 @@
         </p:nvSpPr>
         <p:spPr>
           <a:xfrm>
-            <a:off x="1066800" y="914400"/>
-            <a:ext cx="7467600" cy="3733800"/>
+            <a:off x="1066800" y="914399"/>
+            <a:ext cx="7467600" cy="3999728"/>
           </a:xfrm>
           <a:prstGeom prst="roundRect">
             <a:avLst>
@@ -3625,7 +3603,7 @@
           <a:p>
             <a:pPr algn="ctr"/>
             <a:r>
-              <a:rPr lang="en-US" sz="1050" b="1" dirty="0" err="1" smtClean="0">
+              <a:rPr lang="en-US" sz="1050" b="1" dirty="0" err="1">
                 <a:solidFill>
                   <a:srgbClr val="0070C0"/>
                 </a:solidFill>
@@ -3711,11 +3689,11 @@
         <p:spPr>
           <a:xfrm flipH="1" flipV="1">
             <a:off x="3189583" y="1426447"/>
-            <a:ext cx="5020699" cy="2895973"/>
+            <a:ext cx="5020700" cy="3215295"/>
           </a:xfrm>
           <a:prstGeom prst="bentConnector3">
             <a:avLst>
-              <a:gd name="adj1" fmla="val -2713"/>
+              <a:gd name="adj1" fmla="val -2435"/>
             </a:avLst>
           </a:prstGeom>
           <a:ln w="19050">
@@ -3794,7 +3772,7 @@
         </p:nvSpPr>
         <p:spPr>
           <a:xfrm>
-            <a:off x="1103085" y="4777355"/>
+            <a:off x="1089214" y="5029413"/>
             <a:ext cx="7431315" cy="328045"/>
           </a:xfrm>
           <a:prstGeom prst="roundRect">
@@ -3887,7 +3865,7 @@
           <a:p>
             <a:pPr algn="ctr"/>
             <a:r>
-              <a:rPr lang="en-US" sz="1050" b="1" dirty="0" err="1" smtClean="0">
+              <a:rPr lang="en-US" sz="1050" b="1" dirty="0" err="1">
                 <a:solidFill>
                   <a:srgbClr val="0070C0"/>
                 </a:solidFill>
@@ -3910,7 +3888,7 @@
         </p:nvSpPr>
         <p:spPr>
           <a:xfrm flipH="1">
-            <a:off x="6526365" y="3396383"/>
+            <a:off x="6531872" y="3354388"/>
             <a:ext cx="1093635" cy="346760"/>
           </a:xfrm>
           <a:prstGeom prst="rect">
@@ -3943,27 +3921,12 @@
           <a:p>
             <a:pPr algn="ctr"/>
             <a:r>
-              <a:rPr lang="en-US" sz="1050" b="1" dirty="0" smtClean="0">
+              <a:rPr lang="en-US" sz="1050" b="1" dirty="0" err="1">
                 <a:solidFill>
                   <a:srgbClr val="0070C0"/>
                 </a:solidFill>
               </a:rPr>
-              <a:t>Incorrect</a:t>
-            </a:r>
-            <a:br>
-              <a:rPr lang="en-US" sz="1050" b="1" dirty="0" smtClean="0">
-                <a:solidFill>
-                  <a:srgbClr val="0070C0"/>
-                </a:solidFill>
-              </a:rPr>
-            </a:br>
-            <a:r>
-              <a:rPr lang="en-US" sz="1050" b="1" dirty="0" smtClean="0">
-                <a:solidFill>
-                  <a:srgbClr val="0070C0"/>
-                </a:solidFill>
-              </a:rPr>
-              <a:t>Command</a:t>
+              <a:t>UndoCommand</a:t>
             </a:r>
             <a:endParaRPr lang="en-SG" sz="1050" b="1" dirty="0">
               <a:solidFill>
@@ -3981,7 +3944,7 @@
         </p:nvSpPr>
         <p:spPr>
           <a:xfrm>
-            <a:off x="7438239" y="4149040"/>
+            <a:off x="7438240" y="4468362"/>
             <a:ext cx="772043" cy="346760"/>
           </a:xfrm>
           <a:prstGeom prst="rect">
@@ -4147,14 +4110,15 @@
         <p:nvCxnSpPr>
           <p:cNvPr id="18" name="Straight Arrow Connector 110"/>
           <p:cNvCxnSpPr>
+            <a:cxnSpLocks/>
             <a:stCxn id="12" idx="2"/>
           </p:cNvCxnSpPr>
           <p:nvPr/>
         </p:nvCxnSpPr>
         <p:spPr>
           <a:xfrm>
-            <a:off x="7824261" y="4495800"/>
-            <a:ext cx="0" cy="281555"/>
+            <a:off x="7824262" y="4815122"/>
+            <a:ext cx="0" cy="227836"/>
           </a:xfrm>
           <a:prstGeom prst="straightConnector1">
             <a:avLst/>
@@ -4353,13 +4317,15 @@
       <p:cxnSp>
         <p:nvCxnSpPr>
           <p:cNvPr id="23" name="Straight Arrow Connector 57"/>
-          <p:cNvCxnSpPr/>
+          <p:cNvCxnSpPr>
+            <a:cxnSpLocks/>
+          </p:cNvCxnSpPr>
           <p:nvPr/>
         </p:nvCxnSpPr>
         <p:spPr>
           <a:xfrm flipH="1">
-            <a:off x="1981201" y="4122262"/>
-            <a:ext cx="1" cy="655093"/>
+            <a:off x="1969068" y="4122262"/>
+            <a:ext cx="12136" cy="907151"/>
           </a:xfrm>
           <a:prstGeom prst="straightConnector1">
             <a:avLst/>
@@ -4435,6 +4401,7 @@
         <p:nvCxnSpPr>
           <p:cNvPr id="25" name="Elbow Connector 63"/>
           <p:cNvCxnSpPr>
+            <a:cxnSpLocks/>
             <a:stCxn id="5" idx="2"/>
             <a:endCxn id="12" idx="1"/>
           </p:cNvCxnSpPr>
@@ -4442,8 +4409,8 @@
         </p:nvCxnSpPr>
         <p:spPr>
           <a:xfrm rot="16200000" flipH="1">
-            <a:off x="4781573" y="1665753"/>
-            <a:ext cx="202697" cy="5110636"/>
+            <a:off x="4621912" y="1825413"/>
+            <a:ext cx="522019" cy="5110637"/>
           </a:xfrm>
           <a:prstGeom prst="bentConnector2">
             <a:avLst/>
@@ -4481,7 +4448,7 @@
         </p:nvGrpSpPr>
         <p:grpSpPr>
           <a:xfrm>
-            <a:off x="4597400" y="4341168"/>
+            <a:off x="3276600" y="4659775"/>
             <a:ext cx="889000" cy="230832"/>
             <a:chOff x="2895600" y="807932"/>
             <a:chExt cx="889000" cy="230832"/>
@@ -4791,7 +4758,7 @@
           <a:p>
             <a:pPr algn="ctr"/>
             <a:r>
-              <a:rPr lang="en-US" sz="1050" b="1" dirty="0" smtClean="0">
+              <a:rPr lang="en-US" sz="1050" b="1" dirty="0">
                 <a:solidFill>
                   <a:srgbClr val="0070C0"/>
                 </a:solidFill>
@@ -5094,7 +5061,7 @@
           <a:p>
             <a:pPr algn="ctr"/>
             <a:r>
-              <a:rPr lang="en-US" sz="1050" dirty="0" smtClean="0">
+              <a:rPr lang="en-US" sz="1050" dirty="0">
                 <a:solidFill>
                   <a:schemeClr val="bg1"/>
                 </a:solidFill>
@@ -5102,14 +5069,14 @@
               <a:t>Argument</a:t>
             </a:r>
             <a:br>
-              <a:rPr lang="en-US" sz="1050" dirty="0" smtClean="0">
+              <a:rPr lang="en-US" sz="1050" dirty="0">
                 <a:solidFill>
                   <a:schemeClr val="bg1"/>
                 </a:solidFill>
               </a:rPr>
             </a:br>
             <a:r>
-              <a:rPr lang="en-US" sz="1050" dirty="0" smtClean="0">
+              <a:rPr lang="en-US" sz="1050" dirty="0">
                 <a:solidFill>
                   <a:schemeClr val="bg1"/>
                 </a:solidFill>
@@ -5174,7 +5141,7 @@
           <a:p>
             <a:pPr algn="ctr"/>
             <a:r>
-              <a:rPr lang="en-US" sz="1050" dirty="0" smtClean="0">
+              <a:rPr lang="en-US" sz="1050" dirty="0">
                 <a:solidFill>
                   <a:schemeClr val="bg1"/>
                 </a:solidFill>
@@ -5226,7 +5193,7 @@
             <a:lstStyle/>
             <a:p>
               <a:r>
-                <a:rPr lang="en-US" sz="1100" dirty="0" smtClean="0">
+                <a:rPr lang="en-US" sz="1100" dirty="0">
                   <a:solidFill>
                     <a:schemeClr val="accent5">
                       <a:lumMod val="75000"/>
@@ -5331,7 +5298,7 @@
             <a:lstStyle/>
             <a:p>
               <a:r>
-                <a:rPr lang="en-US" sz="1100" dirty="0" smtClean="0">
+                <a:rPr lang="en-US" sz="1100" dirty="0">
                   <a:solidFill>
                     <a:schemeClr val="accent5">
                       <a:lumMod val="75000"/>
@@ -5449,7 +5416,7 @@
           <a:p>
             <a:pPr algn="ctr"/>
             <a:r>
-              <a:rPr lang="en-SG" sz="1050" dirty="0" err="1" smtClean="0">
+              <a:rPr lang="en-SG" sz="1050" dirty="0" err="1">
                 <a:solidFill>
                   <a:schemeClr val="bg1"/>
                 </a:solidFill>
@@ -5514,7 +5481,7 @@
           <a:p>
             <a:pPr algn="ctr"/>
             <a:r>
-              <a:rPr lang="en-SG" sz="1050" dirty="0" err="1" smtClean="0">
+              <a:rPr lang="en-SG" sz="1050" dirty="0" err="1">
                 <a:solidFill>
                   <a:schemeClr val="bg1"/>
                 </a:solidFill>
@@ -5784,7 +5751,7 @@
             <a:lstStyle/>
             <a:p>
               <a:r>
-                <a:rPr lang="en-US" sz="1100" dirty="0" smtClean="0">
+                <a:rPr lang="en-US" sz="1100" dirty="0">
                   <a:solidFill>
                     <a:schemeClr val="accent5">
                       <a:lumMod val="75000"/>
@@ -5856,6 +5823,7 @@
         <p:nvCxnSpPr>
           <p:cNvPr id="84" name="Elbow Connector 83"/>
           <p:cNvCxnSpPr>
+            <a:cxnSpLocks/>
             <a:stCxn id="87" idx="3"/>
             <a:endCxn id="37" idx="1"/>
           </p:cNvCxnSpPr>
@@ -5863,8 +5831,8 @@
         </p:nvCxnSpPr>
         <p:spPr>
           <a:xfrm rot="16200000" flipV="1">
-            <a:off x="7296652" y="3452865"/>
-            <a:ext cx="850958" cy="204262"/>
+            <a:off x="7139934" y="3609583"/>
+            <a:ext cx="1164394" cy="204261"/>
           </a:xfrm>
           <a:prstGeom prst="bentConnector2">
             <a:avLst/>
@@ -5897,7 +5865,7 @@
         </p:nvSpPr>
         <p:spPr>
           <a:xfrm flipV="1">
-            <a:off x="7689010" y="3980475"/>
+            <a:off x="7689009" y="4293911"/>
             <a:ext cx="270504" cy="175523"/>
           </a:xfrm>
           <a:prstGeom prst="triangle">
@@ -5947,6 +5915,7 @@
         <p:nvCxnSpPr>
           <p:cNvPr id="90" name="Elbow Connector 89"/>
           <p:cNvCxnSpPr>
+            <a:cxnSpLocks/>
             <a:stCxn id="87" idx="3"/>
             <a:endCxn id="11" idx="1"/>
           </p:cNvCxnSpPr>
@@ -5954,8 +5923,8 @@
         </p:nvCxnSpPr>
         <p:spPr>
           <a:xfrm rot="16200000" flipV="1">
-            <a:off x="7516775" y="3672988"/>
-            <a:ext cx="410712" cy="204262"/>
+            <a:off x="7341813" y="3811463"/>
+            <a:ext cx="766143" cy="198754"/>
           </a:xfrm>
           <a:prstGeom prst="bentConnector2">
             <a:avLst/>
@@ -5984,6 +5953,7 @@
         <p:nvCxnSpPr>
           <p:cNvPr id="93" name="Elbow Connector 92"/>
           <p:cNvCxnSpPr>
+            <a:cxnSpLocks/>
             <a:stCxn id="87" idx="3"/>
             <a:endCxn id="10" idx="1"/>
           </p:cNvCxnSpPr>
@@ -5991,8 +5961,8 @@
         </p:nvCxnSpPr>
         <p:spPr>
           <a:xfrm rot="16200000" flipV="1">
-            <a:off x="7096044" y="3252257"/>
-            <a:ext cx="1252175" cy="204262"/>
+            <a:off x="6939326" y="3408975"/>
+            <a:ext cx="1565611" cy="204261"/>
           </a:xfrm>
           <a:prstGeom prst="bentConnector2">
             <a:avLst/>
@@ -6021,6 +5991,7 @@
         <p:nvCxnSpPr>
           <p:cNvPr id="96" name="Elbow Connector 95"/>
           <p:cNvCxnSpPr>
+            <a:cxnSpLocks/>
             <a:stCxn id="87" idx="3"/>
             <a:endCxn id="4" idx="1"/>
           </p:cNvCxnSpPr>
@@ -6028,8 +5999,8 @@
         </p:nvCxnSpPr>
         <p:spPr>
           <a:xfrm rot="16200000" flipV="1">
-            <a:off x="6890098" y="3046311"/>
-            <a:ext cx="1657928" cy="210400"/>
+            <a:off x="6733380" y="3203029"/>
+            <a:ext cx="1971364" cy="210399"/>
           </a:xfrm>
           <a:prstGeom prst="bentConnector2">
             <a:avLst/>
@@ -6430,6 +6401,668 @@
             <a:prstDash val="sysDot"/>
             <a:headEnd type="none" w="med" len="med"/>
             <a:tailEnd type="none" w="med" len="med"/>
+          </a:ln>
+          <a:effectLst/>
+        </p:spPr>
+        <p:style>
+          <a:lnRef idx="1">
+            <a:schemeClr val="accent2"/>
+          </a:lnRef>
+          <a:fillRef idx="2">
+            <a:schemeClr val="accent2"/>
+          </a:fillRef>
+          <a:effectRef idx="1">
+            <a:schemeClr val="accent2"/>
+          </a:effectRef>
+          <a:fontRef idx="minor">
+            <a:schemeClr val="dk1"/>
+          </a:fontRef>
+        </p:style>
+      </p:cxnSp>
+      <p:sp>
+        <p:nvSpPr>
+          <p:cNvPr id="67" name="Rectangle 66"/>
+          <p:cNvSpPr/>
+          <p:nvPr/>
+        </p:nvSpPr>
+        <p:spPr>
+          <a:xfrm flipH="1">
+            <a:off x="6523295" y="3748586"/>
+            <a:ext cx="1093635" cy="346760"/>
+          </a:xfrm>
+          <a:prstGeom prst="rect">
+            <a:avLst/>
+          </a:prstGeom>
+          <a:ln w="19050">
+            <a:solidFill>
+              <a:srgbClr val="0070C0"/>
+            </a:solidFill>
+          </a:ln>
+          <a:effectLst/>
+        </p:spPr>
+        <p:style>
+          <a:lnRef idx="1">
+            <a:schemeClr val="accent1"/>
+          </a:lnRef>
+          <a:fillRef idx="2">
+            <a:schemeClr val="accent1"/>
+          </a:fillRef>
+          <a:effectRef idx="1">
+            <a:schemeClr val="accent1"/>
+          </a:effectRef>
+          <a:fontRef idx="minor">
+            <a:schemeClr val="dk1"/>
+          </a:fontRef>
+        </p:style>
+        <p:txBody>
+          <a:bodyPr rtlCol="0" anchor="ctr"/>
+          <a:lstStyle/>
+          <a:p>
+            <a:pPr algn="ctr"/>
+            <a:r>
+              <a:rPr lang="en-US" sz="1050" b="1" dirty="0" err="1">
+                <a:solidFill>
+                  <a:srgbClr val="0070C0"/>
+                </a:solidFill>
+              </a:rPr>
+              <a:t>RedoCommand</a:t>
+            </a:r>
+            <a:endParaRPr lang="en-SG" sz="1050" b="1" dirty="0">
+              <a:solidFill>
+                <a:srgbClr val="0070C0"/>
+              </a:solidFill>
+            </a:endParaRPr>
+          </a:p>
+        </p:txBody>
+      </p:sp>
+      <p:cxnSp>
+        <p:nvCxnSpPr>
+          <p:cNvPr id="85" name="Elbow Connector 89"/>
+          <p:cNvCxnSpPr>
+            <a:cxnSpLocks/>
+            <a:stCxn id="87" idx="3"/>
+            <a:endCxn id="67" idx="1"/>
+          </p:cNvCxnSpPr>
+          <p:nvPr/>
+        </p:nvCxnSpPr>
+        <p:spPr>
+          <a:xfrm rot="16200000" flipV="1">
+            <a:off x="7534624" y="4004273"/>
+            <a:ext cx="371945" cy="207331"/>
+          </a:xfrm>
+          <a:prstGeom prst="bentConnector2">
+            <a:avLst/>
+          </a:prstGeom>
+          <a:ln w="19050">
+            <a:headEnd type="none" w="med" len="med"/>
+            <a:tailEnd type="none" w="med" len="med"/>
+          </a:ln>
+        </p:spPr>
+        <p:style>
+          <a:lnRef idx="1">
+            <a:schemeClr val="accent1"/>
+          </a:lnRef>
+          <a:fillRef idx="0">
+            <a:schemeClr val="accent1"/>
+          </a:fillRef>
+          <a:effectRef idx="0">
+            <a:schemeClr val="accent1"/>
+          </a:effectRef>
+          <a:fontRef idx="minor">
+            <a:schemeClr val="tx1"/>
+          </a:fontRef>
+        </p:style>
+      </p:cxnSp>
+      <p:sp>
+        <p:nvSpPr>
+          <p:cNvPr id="106" name="Rectangle 8"/>
+          <p:cNvSpPr/>
+          <p:nvPr/>
+        </p:nvSpPr>
+        <p:spPr>
+          <a:xfrm>
+            <a:off x="4510420" y="3657675"/>
+            <a:ext cx="1093635" cy="346760"/>
+          </a:xfrm>
+          <a:prstGeom prst="rect">
+            <a:avLst/>
+          </a:prstGeom>
+          <a:solidFill>
+            <a:schemeClr val="accent6"/>
+          </a:solidFill>
+          <a:ln w="19050">
+            <a:solidFill>
+              <a:schemeClr val="accent6">
+                <a:lumMod val="75000"/>
+              </a:schemeClr>
+            </a:solidFill>
+          </a:ln>
+          <a:effectLst/>
+        </p:spPr>
+        <p:style>
+          <a:lnRef idx="1">
+            <a:schemeClr val="accent2"/>
+          </a:lnRef>
+          <a:fillRef idx="2">
+            <a:schemeClr val="accent2"/>
+          </a:fillRef>
+          <a:effectRef idx="1">
+            <a:schemeClr val="accent2"/>
+          </a:effectRef>
+          <a:fontRef idx="minor">
+            <a:schemeClr val="dk1"/>
+          </a:fontRef>
+        </p:style>
+        <p:txBody>
+          <a:bodyPr rtlCol="0" anchor="ctr"/>
+          <a:lstStyle/>
+          <a:p>
+            <a:pPr algn="ctr"/>
+            <a:r>
+              <a:rPr lang="en-US" sz="1050" dirty="0" err="1">
+                <a:solidFill>
+                  <a:schemeClr val="bg1"/>
+                </a:solidFill>
+              </a:rPr>
+              <a:t>GlobalStack</a:t>
+            </a:r>
+            <a:endParaRPr lang="en-SG" sz="1050" dirty="0">
+              <a:solidFill>
+                <a:schemeClr val="bg1"/>
+              </a:solidFill>
+            </a:endParaRPr>
+          </a:p>
+        </p:txBody>
+      </p:sp>
+      <p:cxnSp>
+        <p:nvCxnSpPr>
+          <p:cNvPr id="114" name="Elbow Connector 63"/>
+          <p:cNvCxnSpPr>
+            <a:cxnSpLocks/>
+            <a:stCxn id="5" idx="2"/>
+            <a:endCxn id="106" idx="2"/>
+          </p:cNvCxnSpPr>
+          <p:nvPr/>
+        </p:nvCxnSpPr>
+        <p:spPr>
+          <a:xfrm rot="5400000" flipH="1" flipV="1">
+            <a:off x="3634776" y="2697261"/>
+            <a:ext cx="115288" cy="2729635"/>
+          </a:xfrm>
+          <a:prstGeom prst="bentConnector3">
+            <a:avLst>
+              <a:gd name="adj1" fmla="val -299736"/>
+            </a:avLst>
+          </a:prstGeom>
+          <a:ln w="19050">
+            <a:solidFill>
+              <a:schemeClr val="accent6">
+                <a:lumMod val="75000"/>
+              </a:schemeClr>
+            </a:solidFill>
+            <a:prstDash val="sysDot"/>
+            <a:headEnd type="none" w="med" len="med"/>
+            <a:tailEnd type="arrow" w="med" len="med"/>
+          </a:ln>
+          <a:effectLst/>
+        </p:spPr>
+        <p:style>
+          <a:lnRef idx="1">
+            <a:schemeClr val="accent2"/>
+          </a:lnRef>
+          <a:fillRef idx="2">
+            <a:schemeClr val="accent2"/>
+          </a:fillRef>
+          <a:effectRef idx="1">
+            <a:schemeClr val="accent2"/>
+          </a:effectRef>
+          <a:fontRef idx="minor">
+            <a:schemeClr val="dk1"/>
+          </a:fontRef>
+        </p:style>
+      </p:cxnSp>
+      <p:grpSp>
+        <p:nvGrpSpPr>
+          <p:cNvPr id="117" name="Group 116"/>
+          <p:cNvGrpSpPr/>
+          <p:nvPr/>
+        </p:nvGrpSpPr>
+        <p:grpSpPr>
+          <a:xfrm rot="10800000">
+            <a:off x="3559314" y="4243896"/>
+            <a:ext cx="555486" cy="254462"/>
+            <a:chOff x="3798139" y="875689"/>
+            <a:chExt cx="555486" cy="230832"/>
+          </a:xfrm>
+          <a:noFill/>
+        </p:grpSpPr>
+        <p:sp>
+          <p:nvSpPr>
+            <p:cNvPr id="118" name="TextBox 117"/>
+            <p:cNvSpPr txBox="1"/>
+            <p:nvPr/>
+          </p:nvSpPr>
+          <p:spPr>
+            <a:xfrm rot="10800000">
+              <a:off x="3798139" y="875689"/>
+              <a:ext cx="555486" cy="230832"/>
+            </a:xfrm>
+            <a:prstGeom prst="rect">
+              <a:avLst/>
+            </a:prstGeom>
+            <a:grpFill/>
+            <a:ln>
+              <a:noFill/>
+            </a:ln>
+          </p:spPr>
+          <p:txBody>
+            <a:bodyPr wrap="square" lIns="0" tIns="0" rIns="0" bIns="0" rtlCol="0">
+              <a:noAutofit/>
+            </a:bodyPr>
+            <a:lstStyle/>
+            <a:p>
+              <a:r>
+                <a:rPr lang="en-US" sz="1100" dirty="0">
+                  <a:solidFill>
+                    <a:schemeClr val="accent6">
+                      <a:lumMod val="75000"/>
+                    </a:schemeClr>
+                  </a:solidFill>
+                </a:rPr>
+                <a:t>creates</a:t>
+              </a:r>
+              <a:endParaRPr lang="en-SG" sz="1100" dirty="0">
+                <a:solidFill>
+                  <a:schemeClr val="accent6">
+                    <a:lumMod val="75000"/>
+                  </a:schemeClr>
+                </a:solidFill>
+              </a:endParaRPr>
+            </a:p>
+          </p:txBody>
+        </p:sp>
+        <p:sp>
+          <p:nvSpPr>
+            <p:cNvPr id="119" name="Isosceles Triangle 118"/>
+            <p:cNvSpPr/>
+            <p:nvPr/>
+          </p:nvSpPr>
+          <p:spPr>
+            <a:xfrm rot="5400000" flipV="1">
+              <a:off x="3795127" y="973354"/>
+              <a:ext cx="119885" cy="88141"/>
+            </a:xfrm>
+            <a:prstGeom prst="triangle">
+              <a:avLst/>
+            </a:prstGeom>
+            <a:solidFill>
+              <a:schemeClr val="accent6">
+                <a:lumMod val="75000"/>
+              </a:schemeClr>
+            </a:solidFill>
+            <a:ln>
+              <a:noFill/>
+            </a:ln>
+          </p:spPr>
+          <p:style>
+            <a:lnRef idx="2">
+              <a:schemeClr val="accent1">
+                <a:shade val="50000"/>
+              </a:schemeClr>
+            </a:lnRef>
+            <a:fillRef idx="1">
+              <a:schemeClr val="accent1"/>
+            </a:fillRef>
+            <a:effectRef idx="0">
+              <a:schemeClr val="accent1"/>
+            </a:effectRef>
+            <a:fontRef idx="minor">
+              <a:schemeClr val="lt1"/>
+            </a:fontRef>
+          </p:style>
+          <p:txBody>
+            <a:bodyPr rtlCol="0" anchor="ctr"/>
+            <a:lstStyle/>
+            <a:p>
+              <a:pPr algn="ctr"/>
+              <a:endParaRPr lang="en-SG"/>
+            </a:p>
+          </p:txBody>
+        </p:sp>
+      </p:grpSp>
+      <p:cxnSp>
+        <p:nvCxnSpPr>
+          <p:cNvPr id="123" name="Elbow Connector 95"/>
+          <p:cNvCxnSpPr>
+            <a:cxnSpLocks/>
+            <a:stCxn id="11" idx="3"/>
+            <a:endCxn id="106" idx="0"/>
+          </p:cNvCxnSpPr>
+          <p:nvPr/>
+        </p:nvCxnSpPr>
+        <p:spPr>
+          <a:xfrm rot="10800000" flipV="1">
+            <a:off x="5057238" y="3527767"/>
+            <a:ext cx="1474634" cy="129907"/>
+          </a:xfrm>
+          <a:prstGeom prst="bentConnector2">
+            <a:avLst/>
+          </a:prstGeom>
+          <a:ln w="19050" cap="flat" cmpd="sng" algn="ctr">
+            <a:solidFill>
+              <a:schemeClr val="accent1"/>
+            </a:solidFill>
+            <a:prstDash val="solid"/>
+            <a:round/>
+            <a:headEnd type="none" w="med" len="med"/>
+            <a:tailEnd type="arrow" w="med" len="med"/>
+          </a:ln>
+        </p:spPr>
+        <p:style>
+          <a:lnRef idx="0">
+            <a:scrgbClr r="0" g="0" b="0"/>
+          </a:lnRef>
+          <a:fillRef idx="0">
+            <a:scrgbClr r="0" g="0" b="0"/>
+          </a:fillRef>
+          <a:effectRef idx="0">
+            <a:scrgbClr r="0" g="0" b="0"/>
+          </a:effectRef>
+          <a:fontRef idx="minor">
+            <a:schemeClr val="tx1"/>
+          </a:fontRef>
+        </p:style>
+      </p:cxnSp>
+      <p:cxnSp>
+        <p:nvCxnSpPr>
+          <p:cNvPr id="136" name="Elbow Connector 95"/>
+          <p:cNvCxnSpPr>
+            <a:cxnSpLocks/>
+            <a:stCxn id="67" idx="3"/>
+            <a:endCxn id="106" idx="3"/>
+          </p:cNvCxnSpPr>
+          <p:nvPr/>
+        </p:nvCxnSpPr>
+        <p:spPr>
+          <a:xfrm rot="10800000">
+            <a:off x="5604055" y="3831056"/>
+            <a:ext cx="919240" cy="90911"/>
+          </a:xfrm>
+          <a:prstGeom prst="bentConnector3">
+            <a:avLst>
+              <a:gd name="adj1" fmla="val 50000"/>
+            </a:avLst>
+          </a:prstGeom>
+          <a:ln w="19050" cap="flat" cmpd="sng" algn="ctr">
+            <a:solidFill>
+              <a:schemeClr val="accent1"/>
+            </a:solidFill>
+            <a:prstDash val="solid"/>
+            <a:round/>
+            <a:headEnd type="none" w="med" len="med"/>
+            <a:tailEnd type="arrow" w="med" len="med"/>
+          </a:ln>
+        </p:spPr>
+        <p:style>
+          <a:lnRef idx="0">
+            <a:scrgbClr r="0" g="0" b="0"/>
+          </a:lnRef>
+          <a:fillRef idx="0">
+            <a:scrgbClr r="0" g="0" b="0"/>
+          </a:fillRef>
+          <a:effectRef idx="0">
+            <a:scrgbClr r="0" g="0" b="0"/>
+          </a:effectRef>
+          <a:fontRef idx="minor">
+            <a:schemeClr val="tx1"/>
+          </a:fontRef>
+        </p:style>
+      </p:cxnSp>
+      <p:sp>
+        <p:nvSpPr>
+          <p:cNvPr id="139" name="Rectangle 65"/>
+          <p:cNvSpPr/>
+          <p:nvPr/>
+        </p:nvSpPr>
+        <p:spPr>
+          <a:xfrm rot="16200000">
+            <a:off x="6784958" y="2750241"/>
+            <a:ext cx="3999729" cy="328045"/>
+          </a:xfrm>
+          <a:prstGeom prst="roundRect">
+            <a:avLst/>
+          </a:prstGeom>
+          <a:solidFill>
+            <a:schemeClr val="accent3">
+              <a:lumMod val="40000"/>
+              <a:lumOff val="60000"/>
+            </a:schemeClr>
+          </a:solidFill>
+          <a:ln w="19050">
+            <a:noFill/>
+          </a:ln>
+          <a:effectLst/>
+        </p:spPr>
+        <p:style>
+          <a:lnRef idx="1">
+            <a:schemeClr val="accent2"/>
+          </a:lnRef>
+          <a:fillRef idx="2">
+            <a:schemeClr val="accent2"/>
+          </a:fillRef>
+          <a:effectRef idx="1">
+            <a:schemeClr val="accent2"/>
+          </a:effectRef>
+          <a:fontRef idx="minor">
+            <a:schemeClr val="dk1"/>
+          </a:fontRef>
+        </p:style>
+        <p:txBody>
+          <a:bodyPr rtlCol="0" anchor="ctr"/>
+          <a:lstStyle/>
+          <a:p>
+            <a:pPr algn="ctr"/>
+            <a:r>
+              <a:rPr lang="en-US" sz="1100" b="1" dirty="0">
+                <a:solidFill>
+                  <a:schemeClr val="bg1"/>
+                </a:solidFill>
+              </a:rPr>
+              <a:t>UI</a:t>
+            </a:r>
+            <a:endParaRPr lang="en-SG" sz="1100" b="1" dirty="0">
+              <a:solidFill>
+                <a:schemeClr val="bg1"/>
+              </a:solidFill>
+            </a:endParaRPr>
+          </a:p>
+        </p:txBody>
+      </p:sp>
+      <p:sp>
+        <p:nvSpPr>
+          <p:cNvPr id="140" name="Rectangle 8"/>
+          <p:cNvSpPr/>
+          <p:nvPr/>
+        </p:nvSpPr>
+        <p:spPr>
+          <a:xfrm>
+            <a:off x="6520226" y="1541802"/>
+            <a:ext cx="1105281" cy="346760"/>
+          </a:xfrm>
+          <a:prstGeom prst="rect">
+            <a:avLst/>
+          </a:prstGeom>
+          <a:solidFill>
+            <a:srgbClr val="0070C0"/>
+          </a:solidFill>
+          <a:ln w="19050">
+            <a:solidFill>
+              <a:srgbClr val="0070C0"/>
+            </a:solidFill>
+          </a:ln>
+          <a:effectLst/>
+        </p:spPr>
+        <p:style>
+          <a:lnRef idx="1">
+            <a:schemeClr val="accent2"/>
+          </a:lnRef>
+          <a:fillRef idx="2">
+            <a:schemeClr val="accent2"/>
+          </a:fillRef>
+          <a:effectRef idx="1">
+            <a:schemeClr val="accent2"/>
+          </a:effectRef>
+          <a:fontRef idx="minor">
+            <a:schemeClr val="dk1"/>
+          </a:fontRef>
+        </p:style>
+        <p:txBody>
+          <a:bodyPr rtlCol="0" anchor="ctr"/>
+          <a:lstStyle/>
+          <a:p>
+            <a:pPr algn="ctr"/>
+            <a:r>
+              <a:rPr lang="en-US" sz="1050" dirty="0" err="1">
+                <a:solidFill>
+                  <a:schemeClr val="bg1"/>
+                </a:solidFill>
+              </a:rPr>
+              <a:t>CommandList</a:t>
+            </a:r>
+            <a:endParaRPr lang="en-SG" sz="1050" dirty="0">
+              <a:solidFill>
+                <a:schemeClr val="bg1"/>
+              </a:solidFill>
+            </a:endParaRPr>
+          </a:p>
+        </p:txBody>
+      </p:sp>
+      <p:cxnSp>
+        <p:nvCxnSpPr>
+          <p:cNvPr id="141" name="Elbow Connector 95"/>
+          <p:cNvCxnSpPr>
+            <a:cxnSpLocks/>
+            <a:endCxn id="140" idx="3"/>
+          </p:cNvCxnSpPr>
+          <p:nvPr/>
+        </p:nvCxnSpPr>
+        <p:spPr>
+          <a:xfrm rot="10800000">
+            <a:off x="7625508" y="1715183"/>
+            <a:ext cx="1030637" cy="9"/>
+          </a:xfrm>
+          <a:prstGeom prst="bentConnector3">
+            <a:avLst>
+              <a:gd name="adj1" fmla="val 50000"/>
+            </a:avLst>
+          </a:prstGeom>
+          <a:ln w="19050" cap="flat" cmpd="sng" algn="ctr">
+            <a:solidFill>
+              <a:schemeClr val="accent3"/>
+            </a:solidFill>
+            <a:prstDash val="solid"/>
+            <a:round/>
+            <a:headEnd type="none" w="med" len="med"/>
+            <a:tailEnd type="arrow" w="med" len="med"/>
+          </a:ln>
+        </p:spPr>
+        <p:style>
+          <a:lnRef idx="0">
+            <a:scrgbClr r="0" g="0" b="0"/>
+          </a:lnRef>
+          <a:fillRef idx="0">
+            <a:scrgbClr r="0" g="0" b="0"/>
+          </a:fillRef>
+          <a:effectRef idx="0">
+            <a:scrgbClr r="0" g="0" b="0"/>
+          </a:effectRef>
+          <a:fontRef idx="minor">
+            <a:schemeClr val="tx1"/>
+          </a:fontRef>
+        </p:style>
+      </p:cxnSp>
+      <p:sp>
+        <p:nvSpPr>
+          <p:cNvPr id="154" name="Rectangle 8"/>
+          <p:cNvSpPr/>
+          <p:nvPr/>
+        </p:nvSpPr>
+        <p:spPr>
+          <a:xfrm>
+            <a:off x="5208861" y="4192459"/>
+            <a:ext cx="1261141" cy="346760"/>
+          </a:xfrm>
+          <a:prstGeom prst="rect">
+            <a:avLst/>
+          </a:prstGeom>
+          <a:solidFill>
+            <a:srgbClr val="0070C0"/>
+          </a:solidFill>
+          <a:ln w="19050">
+            <a:solidFill>
+              <a:srgbClr val="0070C0"/>
+            </a:solidFill>
+          </a:ln>
+          <a:effectLst/>
+        </p:spPr>
+        <p:style>
+          <a:lnRef idx="1">
+            <a:schemeClr val="accent2"/>
+          </a:lnRef>
+          <a:fillRef idx="2">
+            <a:schemeClr val="accent2"/>
+          </a:fillRef>
+          <a:effectRef idx="1">
+            <a:schemeClr val="accent2"/>
+          </a:effectRef>
+          <a:fontRef idx="minor">
+            <a:schemeClr val="dk1"/>
+          </a:fontRef>
+        </p:style>
+        <p:txBody>
+          <a:bodyPr rtlCol="0" anchor="ctr"/>
+          <a:lstStyle/>
+          <a:p>
+            <a:pPr algn="ctr"/>
+            <a:r>
+              <a:rPr lang="en-US" sz="1050" dirty="0" err="1">
+                <a:solidFill>
+                  <a:schemeClr val="bg1"/>
+                </a:solidFill>
+              </a:rPr>
+              <a:t>TimedNotifications</a:t>
+            </a:r>
+            <a:endParaRPr lang="en-SG" sz="1050" dirty="0">
+              <a:solidFill>
+                <a:schemeClr val="bg1"/>
+              </a:solidFill>
+            </a:endParaRPr>
+          </a:p>
+        </p:txBody>
+      </p:sp>
+      <p:cxnSp>
+        <p:nvCxnSpPr>
+          <p:cNvPr id="155" name="Straight Arrow Connector 57"/>
+          <p:cNvCxnSpPr>
+            <a:cxnSpLocks/>
+            <a:stCxn id="154" idx="2"/>
+          </p:cNvCxnSpPr>
+          <p:nvPr/>
+        </p:nvCxnSpPr>
+        <p:spPr>
+          <a:xfrm>
+            <a:off x="5839432" y="4539219"/>
+            <a:ext cx="0" cy="503739"/>
+          </a:xfrm>
+          <a:prstGeom prst="straightConnector1">
+            <a:avLst/>
+          </a:prstGeom>
+          <a:ln w="19050">
+            <a:solidFill>
+              <a:srgbClr val="0070C0"/>
+            </a:solidFill>
+            <a:headEnd type="none" w="med" len="med"/>
+            <a:tailEnd type="arrow" w="med" len="med"/>
           </a:ln>
           <a:effectLst/>
         </p:spPr>
